--- a/Tell about Haskell/Haskell - other programming.pptx
+++ b/Tell about Haskell/Haskell - other programming.pptx
@@ -9,6 +9,7 @@
     <p:sldId id="256" r:id="rId4"/>
     <p:sldId id="257" r:id="rId5"/>
     <p:sldId id="258" r:id="rId6"/>
+    <p:sldId id="259" r:id="rId7"/>
   </p:sldIdLst>
   <p:sldSz cx="10080625" cy="7559675"/>
   <p:notesSz cx="7559675" cy="10691812"/>
@@ -67,7 +68,7 @@
         <p:spPr>
           <a:xfrm>
             <a:off x="504000" y="301320"/>
-            <a:ext cx="9071280" cy="1262520"/>
+            <a:ext cx="9072000" cy="1262160"/>
           </a:xfrm>
           <a:prstGeom prst="rect">
             <a:avLst/>
@@ -93,8 +94,8 @@
         </p:nvSpPr>
         <p:spPr>
           <a:xfrm>
-            <a:off x="504000" y="1769040"/>
-            <a:ext cx="9071280" cy="2090880"/>
+            <a:off x="504000" y="1768680"/>
+            <a:ext cx="9072000" cy="2090880"/>
           </a:xfrm>
           <a:prstGeom prst="rect">
             <a:avLst/>
@@ -119,8 +120,8 @@
         </p:nvSpPr>
         <p:spPr>
           <a:xfrm>
-            <a:off x="504000" y="4059000"/>
-            <a:ext cx="9071280" cy="2090880"/>
+            <a:off x="504000" y="4058640"/>
+            <a:ext cx="9072000" cy="2090880"/>
           </a:xfrm>
           <a:prstGeom prst="rect">
             <a:avLst/>
@@ -168,7 +169,7 @@
         <p:spPr>
           <a:xfrm>
             <a:off x="504000" y="301320"/>
-            <a:ext cx="9071280" cy="1262520"/>
+            <a:ext cx="9072000" cy="1262160"/>
           </a:xfrm>
           <a:prstGeom prst="rect">
             <a:avLst/>
@@ -194,8 +195,8 @@
         </p:nvSpPr>
         <p:spPr>
           <a:xfrm>
-            <a:off x="504000" y="1769040"/>
-            <a:ext cx="4426560" cy="2090880"/>
+            <a:off x="504000" y="1768680"/>
+            <a:ext cx="4426920" cy="2090880"/>
           </a:xfrm>
           <a:prstGeom prst="rect">
             <a:avLst/>
@@ -220,8 +221,8 @@
         </p:nvSpPr>
         <p:spPr>
           <a:xfrm>
-            <a:off x="5152320" y="1769040"/>
-            <a:ext cx="4426560" cy="2090880"/>
+            <a:off x="5152680" y="1768680"/>
+            <a:ext cx="4426920" cy="2090880"/>
           </a:xfrm>
           <a:prstGeom prst="rect">
             <a:avLst/>
@@ -246,8 +247,8 @@
         </p:nvSpPr>
         <p:spPr>
           <a:xfrm>
-            <a:off x="5152320" y="4059000"/>
-            <a:ext cx="4426560" cy="2090880"/>
+            <a:off x="5152680" y="4058640"/>
+            <a:ext cx="4426920" cy="2090880"/>
           </a:xfrm>
           <a:prstGeom prst="rect">
             <a:avLst/>
@@ -272,8 +273,8 @@
         </p:nvSpPr>
         <p:spPr>
           <a:xfrm>
-            <a:off x="504000" y="4059000"/>
-            <a:ext cx="4426560" cy="2090880"/>
+            <a:off x="504000" y="4058640"/>
+            <a:ext cx="4426920" cy="2090880"/>
           </a:xfrm>
           <a:prstGeom prst="rect">
             <a:avLst/>
@@ -321,7 +322,7 @@
         <p:spPr>
           <a:xfrm>
             <a:off x="504000" y="301320"/>
-            <a:ext cx="9071280" cy="1262520"/>
+            <a:ext cx="9072000" cy="1262160"/>
           </a:xfrm>
           <a:prstGeom prst="rect">
             <a:avLst/>
@@ -347,8 +348,8 @@
         </p:nvSpPr>
         <p:spPr>
           <a:xfrm>
-            <a:off x="504000" y="1769040"/>
-            <a:ext cx="9071280" cy="4384080"/>
+            <a:off x="504000" y="1768680"/>
+            <a:ext cx="9072000" cy="4384080"/>
           </a:xfrm>
           <a:prstGeom prst="rect">
             <a:avLst/>
@@ -373,8 +374,8 @@
         </p:nvSpPr>
         <p:spPr>
           <a:xfrm>
-            <a:off x="504000" y="1769040"/>
-            <a:ext cx="9071280" cy="4384080"/>
+            <a:off x="504000" y="1768680"/>
+            <a:ext cx="9072000" cy="4384080"/>
           </a:xfrm>
           <a:prstGeom prst="rect">
             <a:avLst/>
@@ -401,7 +402,7 @@
         </p:blipFill>
         <p:spPr>
           <a:xfrm>
-            <a:off x="2292120" y="1769040"/>
+            <a:off x="2292480" y="1768680"/>
             <a:ext cx="5494680" cy="4384080"/>
           </a:xfrm>
           <a:prstGeom prst="rect">
@@ -426,7 +427,7 @@
         </p:blipFill>
         <p:spPr>
           <a:xfrm>
-            <a:off x="2292120" y="1769040"/>
+            <a:off x="2292480" y="1768680"/>
             <a:ext cx="5494680" cy="4384080"/>
           </a:xfrm>
           <a:prstGeom prst="rect">
@@ -494,7 +495,7 @@
         <p:spPr>
           <a:xfrm>
             <a:off x="504000" y="301320"/>
-            <a:ext cx="9071280" cy="1262520"/>
+            <a:ext cx="9072000" cy="1262160"/>
           </a:xfrm>
           <a:prstGeom prst="rect">
             <a:avLst/>
@@ -520,8 +521,8 @@
         </p:nvSpPr>
         <p:spPr>
           <a:xfrm>
-            <a:off x="504000" y="1769040"/>
-            <a:ext cx="9071280" cy="4384440"/>
+            <a:off x="504000" y="1768680"/>
+            <a:ext cx="9072000" cy="4384440"/>
           </a:xfrm>
           <a:prstGeom prst="rect">
             <a:avLst/>
@@ -570,7 +571,7 @@
         <p:spPr>
           <a:xfrm>
             <a:off x="504000" y="301320"/>
-            <a:ext cx="9071280" cy="1262520"/>
+            <a:ext cx="9072000" cy="1262160"/>
           </a:xfrm>
           <a:prstGeom prst="rect">
             <a:avLst/>
@@ -596,8 +597,8 @@
         </p:nvSpPr>
         <p:spPr>
           <a:xfrm>
-            <a:off x="504000" y="1769040"/>
-            <a:ext cx="9071280" cy="4384080"/>
+            <a:off x="504000" y="1768680"/>
+            <a:ext cx="9072000" cy="4384080"/>
           </a:xfrm>
           <a:prstGeom prst="rect">
             <a:avLst/>
@@ -645,7 +646,7 @@
         <p:spPr>
           <a:xfrm>
             <a:off x="504000" y="301320"/>
-            <a:ext cx="9071280" cy="1262520"/>
+            <a:ext cx="9072000" cy="1262160"/>
           </a:xfrm>
           <a:prstGeom prst="rect">
             <a:avLst/>
@@ -671,8 +672,8 @@
         </p:nvSpPr>
         <p:spPr>
           <a:xfrm>
-            <a:off x="504000" y="1769040"/>
-            <a:ext cx="4426560" cy="4384080"/>
+            <a:off x="504000" y="1768680"/>
+            <a:ext cx="4426920" cy="4384080"/>
           </a:xfrm>
           <a:prstGeom prst="rect">
             <a:avLst/>
@@ -697,8 +698,8 @@
         </p:nvSpPr>
         <p:spPr>
           <a:xfrm>
-            <a:off x="5152320" y="1769040"/>
-            <a:ext cx="4426560" cy="4384080"/>
+            <a:off x="5152680" y="1768680"/>
+            <a:ext cx="4426920" cy="4384080"/>
           </a:xfrm>
           <a:prstGeom prst="rect">
             <a:avLst/>
@@ -746,7 +747,7 @@
         <p:spPr>
           <a:xfrm>
             <a:off x="504000" y="301320"/>
-            <a:ext cx="9071280" cy="1262520"/>
+            <a:ext cx="9072000" cy="1262160"/>
           </a:xfrm>
           <a:prstGeom prst="rect">
             <a:avLst/>
@@ -795,7 +796,7 @@
         <p:spPr>
           <a:xfrm>
             <a:off x="504000" y="301320"/>
-            <a:ext cx="9071280" cy="5852160"/>
+            <a:ext cx="9072000" cy="5850720"/>
           </a:xfrm>
           <a:prstGeom prst="rect">
             <a:avLst/>
@@ -844,7 +845,7 @@
         <p:spPr>
           <a:xfrm>
             <a:off x="504000" y="301320"/>
-            <a:ext cx="9071280" cy="1262520"/>
+            <a:ext cx="9072000" cy="1262160"/>
           </a:xfrm>
           <a:prstGeom prst="rect">
             <a:avLst/>
@@ -870,8 +871,8 @@
         </p:nvSpPr>
         <p:spPr>
           <a:xfrm>
-            <a:off x="504000" y="1769040"/>
-            <a:ext cx="4426560" cy="2090880"/>
+            <a:off x="504000" y="1768680"/>
+            <a:ext cx="4426920" cy="2090880"/>
           </a:xfrm>
           <a:prstGeom prst="rect">
             <a:avLst/>
@@ -896,8 +897,8 @@
         </p:nvSpPr>
         <p:spPr>
           <a:xfrm>
-            <a:off x="504000" y="4059000"/>
-            <a:ext cx="4426560" cy="2090880"/>
+            <a:off x="504000" y="4058640"/>
+            <a:ext cx="4426920" cy="2090880"/>
           </a:xfrm>
           <a:prstGeom prst="rect">
             <a:avLst/>
@@ -922,8 +923,8 @@
         </p:nvSpPr>
         <p:spPr>
           <a:xfrm>
-            <a:off x="5152320" y="1769040"/>
-            <a:ext cx="4426560" cy="4384080"/>
+            <a:off x="5152680" y="1768680"/>
+            <a:ext cx="4426920" cy="4384080"/>
           </a:xfrm>
           <a:prstGeom prst="rect">
             <a:avLst/>
@@ -971,7 +972,7 @@
         <p:spPr>
           <a:xfrm>
             <a:off x="504000" y="301320"/>
-            <a:ext cx="9071280" cy="1262520"/>
+            <a:ext cx="9072000" cy="1262160"/>
           </a:xfrm>
           <a:prstGeom prst="rect">
             <a:avLst/>
@@ -997,8 +998,8 @@
         </p:nvSpPr>
         <p:spPr>
           <a:xfrm>
-            <a:off x="504000" y="1769040"/>
-            <a:ext cx="9071280" cy="4384440"/>
+            <a:off x="504000" y="1768680"/>
+            <a:ext cx="9072000" cy="4384440"/>
           </a:xfrm>
           <a:prstGeom prst="rect">
             <a:avLst/>
@@ -1047,7 +1048,7 @@
         <p:spPr>
           <a:xfrm>
             <a:off x="504000" y="301320"/>
-            <a:ext cx="9071280" cy="1262520"/>
+            <a:ext cx="9072000" cy="1262160"/>
           </a:xfrm>
           <a:prstGeom prst="rect">
             <a:avLst/>
@@ -1073,8 +1074,8 @@
         </p:nvSpPr>
         <p:spPr>
           <a:xfrm>
-            <a:off x="504000" y="1769040"/>
-            <a:ext cx="4426560" cy="4384080"/>
+            <a:off x="504000" y="1768680"/>
+            <a:ext cx="4426920" cy="4384080"/>
           </a:xfrm>
           <a:prstGeom prst="rect">
             <a:avLst/>
@@ -1099,8 +1100,8 @@
         </p:nvSpPr>
         <p:spPr>
           <a:xfrm>
-            <a:off x="5152320" y="1769040"/>
-            <a:ext cx="4426560" cy="2090880"/>
+            <a:off x="5152680" y="1768680"/>
+            <a:ext cx="4426920" cy="2090880"/>
           </a:xfrm>
           <a:prstGeom prst="rect">
             <a:avLst/>
@@ -1125,8 +1126,8 @@
         </p:nvSpPr>
         <p:spPr>
           <a:xfrm>
-            <a:off x="5152320" y="4059000"/>
-            <a:ext cx="4426560" cy="2090880"/>
+            <a:off x="5152680" y="4058640"/>
+            <a:ext cx="4426920" cy="2090880"/>
           </a:xfrm>
           <a:prstGeom prst="rect">
             <a:avLst/>
@@ -1174,7 +1175,7 @@
         <p:spPr>
           <a:xfrm>
             <a:off x="504000" y="301320"/>
-            <a:ext cx="9071280" cy="1262520"/>
+            <a:ext cx="9072000" cy="1262160"/>
           </a:xfrm>
           <a:prstGeom prst="rect">
             <a:avLst/>
@@ -1200,8 +1201,8 @@
         </p:nvSpPr>
         <p:spPr>
           <a:xfrm>
-            <a:off x="504000" y="1769040"/>
-            <a:ext cx="4426560" cy="2090880"/>
+            <a:off x="504000" y="1768680"/>
+            <a:ext cx="4426920" cy="2090880"/>
           </a:xfrm>
           <a:prstGeom prst="rect">
             <a:avLst/>
@@ -1226,8 +1227,8 @@
         </p:nvSpPr>
         <p:spPr>
           <a:xfrm>
-            <a:off x="5152320" y="1769040"/>
-            <a:ext cx="4426560" cy="2090880"/>
+            <a:off x="5152680" y="1768680"/>
+            <a:ext cx="4426920" cy="2090880"/>
           </a:xfrm>
           <a:prstGeom prst="rect">
             <a:avLst/>
@@ -1252,8 +1253,8 @@
         </p:nvSpPr>
         <p:spPr>
           <a:xfrm>
-            <a:off x="504000" y="4059000"/>
-            <a:ext cx="9071280" cy="2090880"/>
+            <a:off x="504000" y="4058640"/>
+            <a:ext cx="9072000" cy="2090880"/>
           </a:xfrm>
           <a:prstGeom prst="rect">
             <a:avLst/>
@@ -1301,7 +1302,7 @@
         <p:spPr>
           <a:xfrm>
             <a:off x="504000" y="301320"/>
-            <a:ext cx="9071280" cy="1262520"/>
+            <a:ext cx="9072000" cy="1262160"/>
           </a:xfrm>
           <a:prstGeom prst="rect">
             <a:avLst/>
@@ -1327,8 +1328,8 @@
         </p:nvSpPr>
         <p:spPr>
           <a:xfrm>
-            <a:off x="504000" y="1769040"/>
-            <a:ext cx="9071280" cy="2090880"/>
+            <a:off x="504000" y="1768680"/>
+            <a:ext cx="9072000" cy="2090880"/>
           </a:xfrm>
           <a:prstGeom prst="rect">
             <a:avLst/>
@@ -1353,8 +1354,8 @@
         </p:nvSpPr>
         <p:spPr>
           <a:xfrm>
-            <a:off x="504000" y="4059000"/>
-            <a:ext cx="9071280" cy="2090880"/>
+            <a:off x="504000" y="4058640"/>
+            <a:ext cx="9072000" cy="2090880"/>
           </a:xfrm>
           <a:prstGeom prst="rect">
             <a:avLst/>
@@ -1402,7 +1403,7 @@
         <p:spPr>
           <a:xfrm>
             <a:off x="504000" y="301320"/>
-            <a:ext cx="9071280" cy="1262520"/>
+            <a:ext cx="9072000" cy="1262160"/>
           </a:xfrm>
           <a:prstGeom prst="rect">
             <a:avLst/>
@@ -1428,8 +1429,8 @@
         </p:nvSpPr>
         <p:spPr>
           <a:xfrm>
-            <a:off x="504000" y="1769040"/>
-            <a:ext cx="4426560" cy="2090880"/>
+            <a:off x="504000" y="1768680"/>
+            <a:ext cx="4426920" cy="2090880"/>
           </a:xfrm>
           <a:prstGeom prst="rect">
             <a:avLst/>
@@ -1454,8 +1455,8 @@
         </p:nvSpPr>
         <p:spPr>
           <a:xfrm>
-            <a:off x="5152320" y="1769040"/>
-            <a:ext cx="4426560" cy="2090880"/>
+            <a:off x="5152680" y="1768680"/>
+            <a:ext cx="4426920" cy="2090880"/>
           </a:xfrm>
           <a:prstGeom prst="rect">
             <a:avLst/>
@@ -1480,8 +1481,8 @@
         </p:nvSpPr>
         <p:spPr>
           <a:xfrm>
-            <a:off x="5152320" y="4059000"/>
-            <a:ext cx="4426560" cy="2090880"/>
+            <a:off x="5152680" y="4058640"/>
+            <a:ext cx="4426920" cy="2090880"/>
           </a:xfrm>
           <a:prstGeom prst="rect">
             <a:avLst/>
@@ -1506,8 +1507,8 @@
         </p:nvSpPr>
         <p:spPr>
           <a:xfrm>
-            <a:off x="504000" y="4059000"/>
-            <a:ext cx="4426560" cy="2090880"/>
+            <a:off x="504000" y="4058640"/>
+            <a:ext cx="4426920" cy="2090880"/>
           </a:xfrm>
           <a:prstGeom prst="rect">
             <a:avLst/>
@@ -1555,7 +1556,7 @@
         <p:spPr>
           <a:xfrm>
             <a:off x="504000" y="301320"/>
-            <a:ext cx="9071280" cy="1262520"/>
+            <a:ext cx="9072000" cy="1262160"/>
           </a:xfrm>
           <a:prstGeom prst="rect">
             <a:avLst/>
@@ -1581,8 +1582,8 @@
         </p:nvSpPr>
         <p:spPr>
           <a:xfrm>
-            <a:off x="504000" y="1769040"/>
-            <a:ext cx="9071280" cy="4384080"/>
+            <a:off x="504000" y="1768680"/>
+            <a:ext cx="9072000" cy="4384080"/>
           </a:xfrm>
           <a:prstGeom prst="rect">
             <a:avLst/>
@@ -1607,8 +1608,8 @@
         </p:nvSpPr>
         <p:spPr>
           <a:xfrm>
-            <a:off x="504000" y="1769040"/>
-            <a:ext cx="9071280" cy="4384080"/>
+            <a:off x="504000" y="1768680"/>
+            <a:ext cx="9072000" cy="4384080"/>
           </a:xfrm>
           <a:prstGeom prst="rect">
             <a:avLst/>
@@ -1635,7 +1636,7 @@
         </p:blipFill>
         <p:spPr>
           <a:xfrm>
-            <a:off x="2292120" y="1769040"/>
+            <a:off x="2292480" y="1768680"/>
             <a:ext cx="5494680" cy="4384080"/>
           </a:xfrm>
           <a:prstGeom prst="rect">
@@ -1660,7 +1661,7 @@
         </p:blipFill>
         <p:spPr>
           <a:xfrm>
-            <a:off x="2292120" y="1769040"/>
+            <a:off x="2292480" y="1768680"/>
             <a:ext cx="5494680" cy="4384080"/>
           </a:xfrm>
           <a:prstGeom prst="rect">
@@ -1706,7 +1707,7 @@
         <p:spPr>
           <a:xfrm>
             <a:off x="504000" y="301320"/>
-            <a:ext cx="9071280" cy="1262520"/>
+            <a:ext cx="9072000" cy="1262160"/>
           </a:xfrm>
           <a:prstGeom prst="rect">
             <a:avLst/>
@@ -1732,8 +1733,8 @@
         </p:nvSpPr>
         <p:spPr>
           <a:xfrm>
-            <a:off x="504000" y="1769040"/>
-            <a:ext cx="9071280" cy="4384080"/>
+            <a:off x="504000" y="1768680"/>
+            <a:ext cx="9072000" cy="4384080"/>
           </a:xfrm>
           <a:prstGeom prst="rect">
             <a:avLst/>
@@ -1781,7 +1782,7 @@
         <p:spPr>
           <a:xfrm>
             <a:off x="504000" y="301320"/>
-            <a:ext cx="9071280" cy="1262520"/>
+            <a:ext cx="9072000" cy="1262160"/>
           </a:xfrm>
           <a:prstGeom prst="rect">
             <a:avLst/>
@@ -1807,8 +1808,8 @@
         </p:nvSpPr>
         <p:spPr>
           <a:xfrm>
-            <a:off x="504000" y="1769040"/>
-            <a:ext cx="4426560" cy="4384080"/>
+            <a:off x="504000" y="1768680"/>
+            <a:ext cx="4426920" cy="4384080"/>
           </a:xfrm>
           <a:prstGeom prst="rect">
             <a:avLst/>
@@ -1833,8 +1834,8 @@
         </p:nvSpPr>
         <p:spPr>
           <a:xfrm>
-            <a:off x="5152320" y="1769040"/>
-            <a:ext cx="4426560" cy="4384080"/>
+            <a:off x="5152680" y="1768680"/>
+            <a:ext cx="4426920" cy="4384080"/>
           </a:xfrm>
           <a:prstGeom prst="rect">
             <a:avLst/>
@@ -1882,7 +1883,7 @@
         <p:spPr>
           <a:xfrm>
             <a:off x="504000" y="301320"/>
-            <a:ext cx="9071280" cy="1262520"/>
+            <a:ext cx="9072000" cy="1262160"/>
           </a:xfrm>
           <a:prstGeom prst="rect">
             <a:avLst/>
@@ -1931,7 +1932,7 @@
         <p:spPr>
           <a:xfrm>
             <a:off x="504000" y="301320"/>
-            <a:ext cx="9071280" cy="5852160"/>
+            <a:ext cx="9072000" cy="5850720"/>
           </a:xfrm>
           <a:prstGeom prst="rect">
             <a:avLst/>
@@ -1980,7 +1981,7 @@
         <p:spPr>
           <a:xfrm>
             <a:off x="504000" y="301320"/>
-            <a:ext cx="9071280" cy="1262520"/>
+            <a:ext cx="9072000" cy="1262160"/>
           </a:xfrm>
           <a:prstGeom prst="rect">
             <a:avLst/>
@@ -2006,8 +2007,8 @@
         </p:nvSpPr>
         <p:spPr>
           <a:xfrm>
-            <a:off x="504000" y="1769040"/>
-            <a:ext cx="4426560" cy="2090880"/>
+            <a:off x="504000" y="1768680"/>
+            <a:ext cx="4426920" cy="2090880"/>
           </a:xfrm>
           <a:prstGeom prst="rect">
             <a:avLst/>
@@ -2032,8 +2033,8 @@
         </p:nvSpPr>
         <p:spPr>
           <a:xfrm>
-            <a:off x="504000" y="4059000"/>
-            <a:ext cx="4426560" cy="2090880"/>
+            <a:off x="504000" y="4058640"/>
+            <a:ext cx="4426920" cy="2090880"/>
           </a:xfrm>
           <a:prstGeom prst="rect">
             <a:avLst/>
@@ -2058,8 +2059,8 @@
         </p:nvSpPr>
         <p:spPr>
           <a:xfrm>
-            <a:off x="5152320" y="1769040"/>
-            <a:ext cx="4426560" cy="4384080"/>
+            <a:off x="5152680" y="1768680"/>
+            <a:ext cx="4426920" cy="4384080"/>
           </a:xfrm>
           <a:prstGeom prst="rect">
             <a:avLst/>
@@ -2107,7 +2108,7 @@
         <p:spPr>
           <a:xfrm>
             <a:off x="504000" y="301320"/>
-            <a:ext cx="9071280" cy="1262520"/>
+            <a:ext cx="9072000" cy="1262160"/>
           </a:xfrm>
           <a:prstGeom prst="rect">
             <a:avLst/>
@@ -2133,8 +2134,8 @@
         </p:nvSpPr>
         <p:spPr>
           <a:xfrm>
-            <a:off x="504000" y="1769040"/>
-            <a:ext cx="4426560" cy="4384080"/>
+            <a:off x="504000" y="1768680"/>
+            <a:ext cx="4426920" cy="4384080"/>
           </a:xfrm>
           <a:prstGeom prst="rect">
             <a:avLst/>
@@ -2159,8 +2160,8 @@
         </p:nvSpPr>
         <p:spPr>
           <a:xfrm>
-            <a:off x="5152320" y="1769040"/>
-            <a:ext cx="4426560" cy="2090880"/>
+            <a:off x="5152680" y="1768680"/>
+            <a:ext cx="4426920" cy="2090880"/>
           </a:xfrm>
           <a:prstGeom prst="rect">
             <a:avLst/>
@@ -2185,8 +2186,8 @@
         </p:nvSpPr>
         <p:spPr>
           <a:xfrm>
-            <a:off x="5152320" y="4059000"/>
-            <a:ext cx="4426560" cy="2090880"/>
+            <a:off x="5152680" y="4058640"/>
+            <a:ext cx="4426920" cy="2090880"/>
           </a:xfrm>
           <a:prstGeom prst="rect">
             <a:avLst/>
@@ -2234,7 +2235,7 @@
         <p:spPr>
           <a:xfrm>
             <a:off x="504000" y="301320"/>
-            <a:ext cx="9071280" cy="1262520"/>
+            <a:ext cx="9072000" cy="1262160"/>
           </a:xfrm>
           <a:prstGeom prst="rect">
             <a:avLst/>
@@ -2260,8 +2261,8 @@
         </p:nvSpPr>
         <p:spPr>
           <a:xfrm>
-            <a:off x="504000" y="1769040"/>
-            <a:ext cx="4426560" cy="2090880"/>
+            <a:off x="504000" y="1768680"/>
+            <a:ext cx="4426920" cy="2090880"/>
           </a:xfrm>
           <a:prstGeom prst="rect">
             <a:avLst/>
@@ -2286,8 +2287,8 @@
         </p:nvSpPr>
         <p:spPr>
           <a:xfrm>
-            <a:off x="5152320" y="1769040"/>
-            <a:ext cx="4426560" cy="2090880"/>
+            <a:off x="5152680" y="1768680"/>
+            <a:ext cx="4426920" cy="2090880"/>
           </a:xfrm>
           <a:prstGeom prst="rect">
             <a:avLst/>
@@ -2312,8 +2313,8 @@
         </p:nvSpPr>
         <p:spPr>
           <a:xfrm>
-            <a:off x="504000" y="4059000"/>
-            <a:ext cx="9071280" cy="2090880"/>
+            <a:off x="504000" y="4058640"/>
+            <a:ext cx="9072000" cy="2090880"/>
           </a:xfrm>
           <a:prstGeom prst="rect">
             <a:avLst/>
@@ -2361,7 +2362,7 @@
         <p:spPr>
           <a:xfrm>
             <a:off x="504000" y="301320"/>
-            <a:ext cx="9071280" cy="1262160"/>
+            <a:ext cx="9070920" cy="1262160"/>
           </a:xfrm>
           <a:prstGeom prst="rect">
             <a:avLst/>
@@ -2392,8 +2393,8 @@
         </p:nvSpPr>
         <p:spPr>
           <a:xfrm>
-            <a:off x="504000" y="1768680"/>
-            <a:ext cx="9072000" cy="4384080"/>
+            <a:off x="504000" y="1769040"/>
+            <a:ext cx="9070920" cy="4383720"/>
           </a:xfrm>
           <a:prstGeom prst="rect">
             <a:avLst/>
@@ -2408,7 +2409,7 @@
               <a:buChar char=""/>
             </a:pPr>
             <a:r>
-              <a:rPr lang="ru-RU" sz="3200">
+              <a:rPr lang="ru-RU">
                 <a:latin typeface="Arial"/>
               </a:rPr>
               <a:t>Для правки структуры щелкните мышью</a:t>
@@ -2422,7 +2423,7 @@
               <a:buChar char=""/>
             </a:pPr>
             <a:r>
-              <a:rPr lang="ru-RU" sz="2800">
+              <a:rPr lang="ru-RU">
                 <a:latin typeface="Arial"/>
               </a:rPr>
               <a:t>Второй уровень структуры</a:t>
@@ -2436,7 +2437,7 @@
               <a:buChar char=""/>
             </a:pPr>
             <a:r>
-              <a:rPr lang="ru-RU" sz="2400">
+              <a:rPr lang="ru-RU">
                 <a:latin typeface="Arial"/>
               </a:rPr>
               <a:t>Третий уровень структуры</a:t>
@@ -2450,7 +2451,7 @@
               <a:buChar char=""/>
             </a:pPr>
             <a:r>
-              <a:rPr lang="ru-RU" sz="2000">
+              <a:rPr lang="ru-RU">
                 <a:latin typeface="Arial"/>
               </a:rPr>
               <a:t>Четвёртый уровень структуры</a:t>
@@ -2464,7 +2465,7 @@
               <a:buChar char=""/>
             </a:pPr>
             <a:r>
-              <a:rPr lang="ru-RU" sz="2000">
+              <a:rPr lang="ru-RU">
                 <a:latin typeface="Arial"/>
               </a:rPr>
               <a:t>Пятый уровень структуры</a:t>
@@ -2478,7 +2479,7 @@
               <a:buChar char=""/>
             </a:pPr>
             <a:r>
-              <a:rPr lang="ru-RU" sz="2000">
+              <a:rPr lang="ru-RU">
                 <a:latin typeface="Arial"/>
               </a:rPr>
               <a:t>Шестой уровень структуры</a:t>
@@ -2492,7 +2493,7 @@
               <a:buChar char=""/>
             </a:pPr>
             <a:r>
-              <a:rPr lang="ru-RU" sz="2000">
+              <a:rPr lang="ru-RU">
                 <a:latin typeface="Arial"/>
               </a:rPr>
               <a:t>Седьмой уровень структуры</a:t>
@@ -2551,7 +2552,7 @@
         <p:spPr>
           <a:xfrm>
             <a:off x="504000" y="301320"/>
-            <a:ext cx="9071280" cy="1262160"/>
+            <a:ext cx="9072000" cy="1261800"/>
           </a:xfrm>
           <a:prstGeom prst="rect">
             <a:avLst/>
@@ -2560,8 +2561,9 @@
         <p:txBody>
           <a:bodyPr lIns="0" rIns="0" tIns="0" bIns="0" anchor="ctr"/>
           <a:p>
+            <a:pPr algn="ctr"/>
             <a:r>
-              <a:rPr lang="ru-RU">
+              <a:rPr lang="ru-RU" sz="4400">
                 <a:latin typeface="Arial"/>
               </a:rPr>
               <a:t>Для правки текста заголовка щелкните мышью</a:t>
@@ -2582,8 +2584,8 @@
         </p:nvSpPr>
         <p:spPr>
           <a:xfrm>
-            <a:off x="504000" y="1769040"/>
-            <a:ext cx="9071280" cy="4384080"/>
+            <a:off x="504000" y="1768680"/>
+            <a:ext cx="9072000" cy="4384080"/>
           </a:xfrm>
           <a:prstGeom prst="rect">
             <a:avLst/>
@@ -2598,7 +2600,7 @@
               <a:buChar char=""/>
             </a:pPr>
             <a:r>
-              <a:rPr lang="ru-RU">
+              <a:rPr lang="ru-RU" sz="3200">
                 <a:latin typeface="Arial"/>
               </a:rPr>
               <a:t>Для правки структуры щелкните мышью</a:t>
@@ -2612,7 +2614,7 @@
               <a:buChar char=""/>
             </a:pPr>
             <a:r>
-              <a:rPr lang="ru-RU">
+              <a:rPr lang="ru-RU" sz="2800">
                 <a:latin typeface="Arial"/>
               </a:rPr>
               <a:t>Второй уровень структуры</a:t>
@@ -2626,7 +2628,7 @@
               <a:buChar char=""/>
             </a:pPr>
             <a:r>
-              <a:rPr lang="ru-RU">
+              <a:rPr lang="ru-RU" sz="2400">
                 <a:latin typeface="Arial"/>
               </a:rPr>
               <a:t>Третий уровень структуры</a:t>
@@ -2640,7 +2642,7 @@
               <a:buChar char=""/>
             </a:pPr>
             <a:r>
-              <a:rPr lang="ru-RU">
+              <a:rPr lang="ru-RU" sz="2000">
                 <a:latin typeface="Arial"/>
               </a:rPr>
               <a:t>Четвёртый уровень структуры</a:t>
@@ -2654,7 +2656,7 @@
               <a:buChar char=""/>
             </a:pPr>
             <a:r>
-              <a:rPr lang="ru-RU">
+              <a:rPr lang="ru-RU" sz="2000">
                 <a:latin typeface="Arial"/>
               </a:rPr>
               <a:t>Пятый уровень структуры</a:t>
@@ -2668,7 +2670,7 @@
               <a:buChar char=""/>
             </a:pPr>
             <a:r>
-              <a:rPr lang="ru-RU">
+              <a:rPr lang="ru-RU" sz="2000">
                 <a:latin typeface="Arial"/>
               </a:rPr>
               <a:t>Шестой уровень структуры</a:t>
@@ -2682,7 +2684,7 @@
               <a:buChar char=""/>
             </a:pPr>
             <a:r>
-              <a:rPr lang="ru-RU">
+              <a:rPr lang="ru-RU" sz="2000">
                 <a:latin typeface="Arial"/>
               </a:rPr>
               <a:t>Седьмой уровень структуры</a:t>
@@ -2737,7 +2739,7 @@
         <p:spPr>
           <a:xfrm>
             <a:off x="504000" y="301320"/>
-            <a:ext cx="9071280" cy="1261800"/>
+            <a:ext cx="9070920" cy="1261440"/>
           </a:xfrm>
           <a:prstGeom prst="rect">
             <a:avLst/>
@@ -2774,7 +2776,7 @@
         <p:spPr>
           <a:xfrm>
             <a:off x="504000" y="1769040"/>
-            <a:ext cx="9071280" cy="4384080"/>
+            <a:ext cx="9070920" cy="4383720"/>
           </a:xfrm>
           <a:prstGeom prst="rect">
             <a:avLst/>
@@ -2860,7 +2862,7 @@
         <p:spPr>
           <a:xfrm>
             <a:off x="504000" y="301320"/>
-            <a:ext cx="9071280" cy="1261800"/>
+            <a:ext cx="9070920" cy="1261440"/>
           </a:xfrm>
           <a:prstGeom prst="rect">
             <a:avLst/>
@@ -2882,7 +2884,7 @@
               <a:rPr lang="ru-RU" sz="4400">
                 <a:latin typeface="Arial"/>
               </a:rPr>
-              <a:t>Что есть в Haskell такого, чего нет в языках семейства С?</a:t>
+              <a:t>Качество кода</a:t>
             </a:r>
             <a:endParaRPr/>
           </a:p>
@@ -2897,7 +2899,7 @@
         <p:spPr>
           <a:xfrm>
             <a:off x="504000" y="1769040"/>
-            <a:ext cx="9071280" cy="4384080"/>
+            <a:ext cx="9070920" cy="4383720"/>
           </a:xfrm>
           <a:prstGeom prst="rect">
             <a:avLst/>
@@ -2914,15 +2916,12 @@
               <a:lnSpc>
                 <a:spcPct val="100000"/>
               </a:lnSpc>
-              <a:buSzPct val="45000"/>
-              <a:buFont typeface="StarSymbol"/>
-              <a:buChar char="l"/>
             </a:pPr>
             <a:r>
               <a:rPr lang="ru-RU" sz="3200">
                 <a:latin typeface="Arial"/>
               </a:rPr>
-              <a:t>Алгебраические типы и сопоставление с образцом</a:t>
+              <a:t>Чем больше компилятор знает о вашем коде, тем большего числа ошибок удастся избежать.</a:t>
             </a:r>
             <a:endParaRPr/>
           </a:p>
@@ -2931,15 +2930,20 @@
               <a:lnSpc>
                 <a:spcPct val="100000"/>
               </a:lnSpc>
-              <a:buSzPct val="45000"/>
-              <a:buFont typeface="StarSymbol"/>
-              <a:buChar char="l"/>
+            </a:pPr>
+            <a:endParaRPr/>
+          </a:p>
+          <a:p>
+            <a:pPr>
+              <a:lnSpc>
+                <a:spcPct val="100000"/>
+              </a:lnSpc>
             </a:pPr>
             <a:r>
               <a:rPr lang="ru-RU" sz="3200">
                 <a:latin typeface="Arial"/>
               </a:rPr>
-              <a:t>Виды типов — обобщения старших порядков</a:t>
+              <a:t>Система типов иногда слишком строгая узда</a:t>
             </a:r>
             <a:endParaRPr/>
           </a:p>
@@ -2948,15 +2952,20 @@
               <a:lnSpc>
                 <a:spcPct val="100000"/>
               </a:lnSpc>
-              <a:buSzPct val="45000"/>
-              <a:buFont typeface="StarSymbol"/>
-              <a:buChar char="l"/>
+            </a:pPr>
+            <a:endParaRPr/>
+          </a:p>
+          <a:p>
+            <a:pPr>
+              <a:lnSpc>
+                <a:spcPct val="100000"/>
+              </a:lnSpc>
             </a:pPr>
             <a:r>
               <a:rPr lang="ru-RU" sz="3200">
                 <a:latin typeface="Arial"/>
               </a:rPr>
-              <a:t>Чистые функции </a:t>
+              <a:t>Повторение — источник ошибок; абстракции и полиморфизм позволяют избегать повторений</a:t>
             </a:r>
             <a:endParaRPr/>
           </a:p>
@@ -2965,49 +2974,20 @@
               <a:lnSpc>
                 <a:spcPct val="100000"/>
               </a:lnSpc>
-              <a:buSzPct val="45000"/>
-              <a:buFont typeface="StarSymbol"/>
-              <a:buChar char="l"/>
+            </a:pPr>
+            <a:endParaRPr/>
+          </a:p>
+          <a:p>
+            <a:pPr>
+              <a:lnSpc>
+                <a:spcPct val="100000"/>
+              </a:lnSpc>
             </a:pPr>
             <a:r>
               <a:rPr lang="ru-RU" sz="3200">
                 <a:latin typeface="Arial"/>
               </a:rPr>
-              <a:t>Отложенность исполнения</a:t>
-            </a:r>
-            <a:endParaRPr/>
-          </a:p>
-          <a:p>
-            <a:pPr>
-              <a:lnSpc>
-                <a:spcPct val="100000"/>
-              </a:lnSpc>
-              <a:buSzPct val="45000"/>
-              <a:buFont typeface="StarSymbol"/>
-              <a:buChar char="l"/>
-            </a:pPr>
-            <a:r>
-              <a:rPr lang="ru-RU" sz="3200">
-                <a:latin typeface="Arial"/>
-              </a:rPr>
-              <a:t>Вывод типов при полной и строгой типизации</a:t>
-            </a:r>
-            <a:endParaRPr/>
-          </a:p>
-          <a:p>
-            <a:pPr>
-              <a:lnSpc>
-                <a:spcPct val="100000"/>
-              </a:lnSpc>
-              <a:buSzPct val="45000"/>
-              <a:buFont typeface="StarSymbol"/>
-              <a:buChar char="l"/>
-            </a:pPr>
-            <a:r>
-              <a:rPr lang="ru-RU" sz="3200">
-                <a:latin typeface="Arial"/>
-              </a:rPr>
-              <a:t>Красивый синтаксис для монад и стрелок</a:t>
+              <a:t>Императивное программирование более склонно к ошибкам по сравнению с декларативным</a:t>
             </a:r>
             <a:endParaRPr/>
           </a:p>
@@ -3071,7 +3051,7 @@
         <p:spPr>
           <a:xfrm>
             <a:off x="504000" y="301320"/>
-            <a:ext cx="9071280" cy="1261800"/>
+            <a:ext cx="9070920" cy="1261440"/>
           </a:xfrm>
           <a:prstGeom prst="rect">
             <a:avLst/>
@@ -3108,7 +3088,7 @@
         <p:spPr>
           <a:xfrm>
             <a:off x="504000" y="1769040"/>
-            <a:ext cx="9071280" cy="4384080"/>
+            <a:ext cx="9070920" cy="4383720"/>
           </a:xfrm>
           <a:prstGeom prst="rect">
             <a:avLst/>
@@ -3199,6 +3179,234 @@
           <p:childTnLst>
             <p:seq>
               <p:cTn id="6" nodeType="mainSeq"/>
+              <p:prevCondLst>
+                <p:cond delay="0" evt="onPrev">
+                  <p:tgtEl>
+                    <p:sldTgt/>
+                  </p:tgtEl>
+                </p:cond>
+              </p:prevCondLst>
+              <p:nextCondLst>
+                <p:cond delay="0" evt="onNext">
+                  <p:tgtEl>
+                    <p:sldTgt/>
+                  </p:tgtEl>
+                </p:cond>
+              </p:nextCondLst>
+            </p:seq>
+          </p:childTnLst>
+        </p:cTn>
+      </p:par>
+    </p:tnLst>
+  </p:timing>
+</p:sld>
+</file>
+
+<file path=ppt/slides/slide4.xml><?xml version="1.0" encoding="utf-8"?>
+<p:sld xmlns:a="http://schemas.openxmlformats.org/drawingml/2006/main" xmlns:p="http://schemas.openxmlformats.org/presentationml/2006/main" xmlns:r="http://schemas.openxmlformats.org/officeDocument/2006/relationships">
+  <p:cSld>
+    <p:spTree>
+      <p:nvGrpSpPr>
+        <p:cNvPr id="1" name=""/>
+        <p:cNvGrpSpPr/>
+        <p:nvPr/>
+      </p:nvGrpSpPr>
+      <p:grpSpPr>
+        <a:xfrm>
+          <a:off x="0" y="0"/>
+          <a:ext cx="0" cy="0"/>
+          <a:chOff x="0" y="0"/>
+          <a:chExt cx="0" cy="0"/>
+        </a:xfrm>
+      </p:grpSpPr>
+      <p:sp>
+        <p:nvSpPr>
+          <p:cNvPr id="78" name="CustomShape 1"/>
+          <p:cNvSpPr/>
+          <p:nvPr/>
+        </p:nvSpPr>
+        <p:spPr>
+          <a:xfrm>
+            <a:off x="504000" y="301320"/>
+            <a:ext cx="9070920" cy="1261440"/>
+          </a:xfrm>
+          <a:prstGeom prst="rect">
+            <a:avLst/>
+          </a:prstGeom>
+          <a:noFill/>
+          <a:ln>
+            <a:noFill/>
+          </a:ln>
+        </p:spPr>
+        <p:txBody>
+          <a:bodyPr lIns="0" rIns="0" tIns="0" bIns="0" anchor="ctr"/>
+          <a:p>
+            <a:pPr algn="ctr">
+              <a:lnSpc>
+                <a:spcPct val="100000"/>
+              </a:lnSpc>
+            </a:pPr>
+            <a:r>
+              <a:rPr lang="ru-RU" sz="4400">
+                <a:latin typeface="Arial"/>
+              </a:rPr>
+              <a:t>Что есть в Haskell такого, чего нет в языках семейства С?</a:t>
+            </a:r>
+            <a:endParaRPr/>
+          </a:p>
+        </p:txBody>
+      </p:sp>
+      <p:sp>
+        <p:nvSpPr>
+          <p:cNvPr id="79" name="CustomShape 2"/>
+          <p:cNvSpPr/>
+          <p:nvPr/>
+        </p:nvSpPr>
+        <p:spPr>
+          <a:xfrm>
+            <a:off x="504000" y="1769040"/>
+            <a:ext cx="9070920" cy="4383720"/>
+          </a:xfrm>
+          <a:prstGeom prst="rect">
+            <a:avLst/>
+          </a:prstGeom>
+          <a:noFill/>
+          <a:ln>
+            <a:noFill/>
+          </a:ln>
+        </p:spPr>
+        <p:txBody>
+          <a:bodyPr lIns="0" rIns="0" tIns="0" bIns="0"/>
+          <a:p>
+            <a:pPr>
+              <a:lnSpc>
+                <a:spcPct val="100000"/>
+              </a:lnSpc>
+              <a:buSzPct val="45000"/>
+              <a:buFont typeface="StarSymbol"/>
+              <a:buChar char="l"/>
+            </a:pPr>
+            <a:r>
+              <a:rPr lang="ru-RU" sz="3200">
+                <a:latin typeface="Arial"/>
+              </a:rPr>
+              <a:t>Алгебраические типы и сопоставление с образцом</a:t>
+            </a:r>
+            <a:endParaRPr/>
+          </a:p>
+          <a:p>
+            <a:pPr>
+              <a:lnSpc>
+                <a:spcPct val="100000"/>
+              </a:lnSpc>
+              <a:buSzPct val="45000"/>
+              <a:buFont typeface="StarSymbol"/>
+              <a:buChar char="l"/>
+            </a:pPr>
+            <a:r>
+              <a:rPr lang="ru-RU" sz="3200">
+                <a:latin typeface="Arial"/>
+              </a:rPr>
+              <a:t>Виды типов — обобщения старших порядков</a:t>
+            </a:r>
+            <a:endParaRPr/>
+          </a:p>
+          <a:p>
+            <a:pPr>
+              <a:lnSpc>
+                <a:spcPct val="100000"/>
+              </a:lnSpc>
+              <a:buSzPct val="45000"/>
+              <a:buFont typeface="StarSymbol"/>
+              <a:buChar char="l"/>
+            </a:pPr>
+            <a:r>
+              <a:rPr lang="ru-RU" sz="3200">
+                <a:latin typeface="Arial"/>
+              </a:rPr>
+              <a:t>Чистые функции </a:t>
+            </a:r>
+            <a:endParaRPr/>
+          </a:p>
+          <a:p>
+            <a:pPr>
+              <a:lnSpc>
+                <a:spcPct val="100000"/>
+              </a:lnSpc>
+              <a:buSzPct val="45000"/>
+              <a:buFont typeface="StarSymbol"/>
+              <a:buChar char="l"/>
+            </a:pPr>
+            <a:r>
+              <a:rPr lang="ru-RU" sz="3200">
+                <a:latin typeface="Arial"/>
+              </a:rPr>
+              <a:t>Отложенность исполнения</a:t>
+            </a:r>
+            <a:endParaRPr/>
+          </a:p>
+          <a:p>
+            <a:pPr>
+              <a:lnSpc>
+                <a:spcPct val="100000"/>
+              </a:lnSpc>
+              <a:buSzPct val="45000"/>
+              <a:buFont typeface="StarSymbol"/>
+              <a:buChar char="l"/>
+            </a:pPr>
+            <a:r>
+              <a:rPr lang="ru-RU" sz="3200">
+                <a:latin typeface="Arial"/>
+              </a:rPr>
+              <a:t>Вывод типов при полной и строгой типизации</a:t>
+            </a:r>
+            <a:endParaRPr/>
+          </a:p>
+          <a:p>
+            <a:pPr>
+              <a:lnSpc>
+                <a:spcPct val="100000"/>
+              </a:lnSpc>
+              <a:buSzPct val="45000"/>
+              <a:buFont typeface="StarSymbol"/>
+              <a:buChar char="l"/>
+            </a:pPr>
+            <a:r>
+              <a:rPr lang="ru-RU" sz="3200">
+                <a:latin typeface="Arial"/>
+              </a:rPr>
+              <a:t>Минимум требований для аргументов</a:t>
+            </a:r>
+            <a:endParaRPr/>
+          </a:p>
+          <a:p>
+            <a:pPr>
+              <a:lnSpc>
+                <a:spcPct val="100000"/>
+              </a:lnSpc>
+              <a:buSzPct val="45000"/>
+              <a:buFont typeface="StarSymbol"/>
+              <a:buChar char="l"/>
+            </a:pPr>
+            <a:r>
+              <a:rPr lang="ru-RU" sz="3200">
+                <a:latin typeface="Arial"/>
+              </a:rPr>
+              <a:t>Красивый синтаксис для монад и стрелок</a:t>
+            </a:r>
+            <a:endParaRPr/>
+          </a:p>
+        </p:txBody>
+      </p:sp>
+    </p:spTree>
+  </p:cSld>
+  <p:timing>
+    <p:tnLst>
+      <p:par>
+        <p:cTn id="7" dur="indefinite" restart="never" nodeType="tmRoot">
+          <p:childTnLst>
+            <p:seq>
+              <p:cTn id="8" nodeType="mainSeq"/>
               <p:prevCondLst>
                 <p:cond delay="0" evt="onPrev">
                   <p:tgtEl>
